--- a/Day1/introduction-to-metagenomics.pptx
+++ b/Day1/introduction-to-metagenomics.pptx
@@ -1175,7 +1175,7 @@
           </a:xfrm>
         </p:spPr>
         <p:txBody>
-          <a:bodyPr/>
+          <a:bodyPr lIns="0" tIns="0" rIns="0" bIns="0"/>
           <a:lstStyle/>
           <a:p>
             <a:r>
